--- a/docs/pic_pie/addrspace.pptx
+++ b/docs/pic_pie/addrspace.pptx
@@ -6149,524 +6149,539 @@
           <a:chExt cx="0" cy="0"/>
         </a:xfrm>
       </p:grpSpPr>
-      <p:sp>
-        <p:nvSpPr>
-          <p:cNvPr id="7" name="テキスト ボックス 6"/>
-          <p:cNvSpPr txBox="1"/>
+      <p:grpSp>
+        <p:nvGrpSpPr>
+          <p:cNvPr id="20" name="グループ化 19"/>
+          <p:cNvGrpSpPr/>
           <p:nvPr/>
-        </p:nvSpPr>
-        <p:spPr>
+        </p:nvGrpSpPr>
+        <p:grpSpPr>
           <a:xfrm>
             <a:off x="2370376" y="1149868"/>
-            <a:ext cx="1409360" cy="369332"/>
+            <a:ext cx="7225424" cy="4950364"/>
+            <a:chOff x="2370376" y="1149868"/>
+            <a:chExt cx="7225424" cy="4950364"/>
           </a:xfrm>
-          <a:prstGeom prst="rect">
-            <a:avLst/>
-          </a:prstGeom>
-          <a:noFill/>
-        </p:spPr>
-        <p:txBody>
-          <a:bodyPr wrap="none" rtlCol="0">
-            <a:spAutoFit/>
-          </a:bodyPr>
-          <a:lstStyle/>
-          <a:p>
-            <a:r>
-              <a:rPr lang="en-US" altLang="ja-JP" dirty="0" smtClean="0"/>
-              <a:t>32bit x86 PIC</a:t>
-            </a:r>
-            <a:endParaRPr kumimoji="1" lang="ja-JP" altLang="en-US" dirty="0"/>
-          </a:p>
-        </p:txBody>
-      </p:sp>
-      <p:sp>
-        <p:nvSpPr>
-          <p:cNvPr id="8" name="正方形/長方形 7"/>
-          <p:cNvSpPr/>
-          <p:nvPr/>
-        </p:nvSpPr>
-        <p:spPr>
-          <a:xfrm>
-            <a:off x="3371114" y="1974005"/>
-            <a:ext cx="2021099" cy="4126227"/>
-          </a:xfrm>
-          <a:prstGeom prst="rect">
-            <a:avLst/>
-          </a:prstGeom>
-          <a:solidFill>
-            <a:schemeClr val="accent4">
-              <a:lumMod val="60000"/>
-              <a:lumOff val="40000"/>
-            </a:schemeClr>
-          </a:solidFill>
-        </p:spPr>
-        <p:style>
-          <a:lnRef idx="2">
-            <a:schemeClr val="accent1">
-              <a:shade val="50000"/>
-            </a:schemeClr>
-          </a:lnRef>
-          <a:fillRef idx="1">
-            <a:schemeClr val="accent1"/>
-          </a:fillRef>
-          <a:effectRef idx="0">
-            <a:schemeClr val="accent1"/>
-          </a:effectRef>
-          <a:fontRef idx="minor">
-            <a:schemeClr val="lt1"/>
-          </a:fontRef>
-        </p:style>
-        <p:txBody>
-          <a:bodyPr rtlCol="0" anchor="t"/>
-          <a:lstStyle/>
-          <a:p>
-            <a:r>
-              <a:rPr lang="ja-JP" altLang="en-US" dirty="0" smtClean="0">
+        </p:grpSpPr>
+        <p:sp>
+          <p:nvSpPr>
+            <p:cNvPr id="7" name="テキスト ボックス 6"/>
+            <p:cNvSpPr txBox="1"/>
+            <p:nvPr/>
+          </p:nvSpPr>
+          <p:spPr>
+            <a:xfrm>
+              <a:off x="2370376" y="1149868"/>
+              <a:ext cx="1409360" cy="369332"/>
+            </a:xfrm>
+            <a:prstGeom prst="rect">
+              <a:avLst/>
+            </a:prstGeom>
+            <a:noFill/>
+          </p:spPr>
+          <p:txBody>
+            <a:bodyPr wrap="none" rtlCol="0">
+              <a:spAutoFit/>
+            </a:bodyPr>
+            <a:lstStyle/>
+            <a:p>
+              <a:r>
+                <a:rPr lang="en-US" altLang="ja-JP" dirty="0" smtClean="0"/>
+                <a:t>32bit x86 PIC</a:t>
+              </a:r>
+              <a:endParaRPr kumimoji="1" lang="ja-JP" altLang="en-US" dirty="0"/>
+            </a:p>
+          </p:txBody>
+        </p:sp>
+        <p:sp>
+          <p:nvSpPr>
+            <p:cNvPr id="8" name="正方形/長方形 7"/>
+            <p:cNvSpPr/>
+            <p:nvPr/>
+          </p:nvSpPr>
+          <p:spPr>
+            <a:xfrm>
+              <a:off x="3371114" y="1974005"/>
+              <a:ext cx="2021099" cy="4126227"/>
+            </a:xfrm>
+            <a:prstGeom prst="rect">
+              <a:avLst/>
+            </a:prstGeom>
+            <a:solidFill>
+              <a:schemeClr val="accent4">
+                <a:lumMod val="60000"/>
+                <a:lumOff val="40000"/>
+              </a:schemeClr>
+            </a:solidFill>
+          </p:spPr>
+          <p:style>
+            <a:lnRef idx="2">
+              <a:schemeClr val="accent1">
+                <a:shade val="50000"/>
+              </a:schemeClr>
+            </a:lnRef>
+            <a:fillRef idx="1">
+              <a:schemeClr val="accent1"/>
+            </a:fillRef>
+            <a:effectRef idx="0">
+              <a:schemeClr val="accent1"/>
+            </a:effectRef>
+            <a:fontRef idx="minor">
+              <a:schemeClr val="lt1"/>
+            </a:fontRef>
+          </p:style>
+          <p:txBody>
+            <a:bodyPr rtlCol="0" anchor="t"/>
+            <a:lstStyle/>
+            <a:p>
+              <a:r>
+                <a:rPr lang="ja-JP" altLang="en-US" dirty="0" smtClean="0">
+                  <a:solidFill>
+                    <a:schemeClr val="tx1"/>
+                  </a:solidFill>
+                </a:rPr>
+                <a:t>実行ファイル</a:t>
+              </a:r>
+              <a:r>
+                <a:rPr lang="en-US" altLang="ja-JP" dirty="0">
+                  <a:solidFill>
+                    <a:schemeClr val="tx1"/>
+                  </a:solidFill>
+                </a:rPr>
+                <a:t>A</a:t>
+              </a:r>
+              <a:endParaRPr kumimoji="1" lang="ja-JP" altLang="en-US" dirty="0">
                 <a:solidFill>
                   <a:schemeClr val="tx1"/>
                 </a:solidFill>
-              </a:rPr>
-              <a:t>実行ファイル</a:t>
-            </a:r>
-            <a:r>
-              <a:rPr lang="en-US" altLang="ja-JP" dirty="0">
-                <a:solidFill>
-                  <a:schemeClr val="tx1"/>
-                </a:solidFill>
-              </a:rPr>
-              <a:t>A</a:t>
-            </a:r>
-            <a:endParaRPr kumimoji="1" lang="ja-JP" altLang="en-US" dirty="0">
-              <a:solidFill>
-                <a:schemeClr val="tx1"/>
-              </a:solidFill>
-            </a:endParaRPr>
-          </a:p>
-        </p:txBody>
-      </p:sp>
-      <p:sp>
-        <p:nvSpPr>
-          <p:cNvPr id="9" name="正方形/長方形 8"/>
-          <p:cNvSpPr/>
-          <p:nvPr/>
-        </p:nvSpPr>
-        <p:spPr>
-          <a:xfrm>
-            <a:off x="3433905" y="3021836"/>
-            <a:ext cx="1895515" cy="831987"/>
-          </a:xfrm>
-          <a:prstGeom prst="rect">
-            <a:avLst/>
-          </a:prstGeom>
-        </p:spPr>
-        <p:style>
-          <a:lnRef idx="2">
-            <a:schemeClr val="accent1">
-              <a:shade val="50000"/>
-            </a:schemeClr>
-          </a:lnRef>
-          <a:fillRef idx="1">
-            <a:schemeClr val="accent1"/>
-          </a:fillRef>
-          <a:effectRef idx="0">
-            <a:schemeClr val="accent1"/>
-          </a:effectRef>
-          <a:fontRef idx="minor">
-            <a:schemeClr val="lt1"/>
-          </a:fontRef>
-        </p:style>
-        <p:txBody>
-          <a:bodyPr rtlCol="0" anchor="t"/>
-          <a:lstStyle/>
-          <a:p>
-            <a:r>
-              <a:rPr kumimoji="1" lang="en-US" altLang="ja-JP" sz="1000" dirty="0" smtClean="0"/>
-              <a:t>call </a:t>
-            </a:r>
-            <a:r>
-              <a:rPr kumimoji="1" lang="en-US" altLang="ja-JP" sz="1000" dirty="0" err="1" smtClean="0"/>
-              <a:t>get_pc_thunk</a:t>
-            </a:r>
-            <a:endParaRPr kumimoji="1" lang="en-US" altLang="ja-JP" sz="1000" dirty="0" smtClean="0"/>
-          </a:p>
-          <a:p>
-            <a:r>
-              <a:rPr lang="en-US" altLang="ja-JP" sz="1000" dirty="0" smtClean="0"/>
-              <a:t>add &lt;GOT</a:t>
-            </a:r>
-            <a:r>
-              <a:rPr lang="ja-JP" altLang="en-US" sz="1000" dirty="0" smtClean="0"/>
-              <a:t>との差</a:t>
-            </a:r>
-            <a:r>
-              <a:rPr lang="en-US" altLang="ja-JP" sz="1000" dirty="0" smtClean="0"/>
-              <a:t>&gt;,</a:t>
-            </a:r>
-            <a:r>
-              <a:rPr lang="en-US" altLang="ja-JP" sz="1000" dirty="0" smtClean="0"/>
-              <a:t> %</a:t>
-            </a:r>
-            <a:r>
-              <a:rPr lang="en-US" altLang="ja-JP" sz="1000" dirty="0" err="1" smtClean="0"/>
-              <a:t>eax</a:t>
-            </a:r>
-            <a:endParaRPr lang="en-US" altLang="ja-JP" sz="1000" dirty="0" smtClean="0"/>
-          </a:p>
-          <a:p>
-            <a:r>
-              <a:rPr kumimoji="1" lang="en-US" altLang="ja-JP" sz="1000" dirty="0" err="1" smtClean="0"/>
-              <a:t>mov</a:t>
-            </a:r>
-            <a:r>
-              <a:rPr kumimoji="1" lang="en-US" altLang="ja-JP" sz="1000" dirty="0" smtClean="0"/>
-              <a:t> &lt;GOT</a:t>
-            </a:r>
-            <a:r>
-              <a:rPr kumimoji="1" lang="ja-JP" altLang="en-US" sz="1000" dirty="0" smtClean="0"/>
-              <a:t>の</a:t>
-            </a:r>
-            <a:r>
-              <a:rPr kumimoji="1" lang="en-US" altLang="ja-JP" sz="1000" dirty="0" smtClean="0"/>
-              <a:t>index&gt;(%</a:t>
-            </a:r>
-            <a:r>
-              <a:rPr kumimoji="1" lang="en-US" altLang="ja-JP" sz="1000" dirty="0" err="1" smtClean="0"/>
-              <a:t>eax</a:t>
-            </a:r>
-            <a:r>
-              <a:rPr kumimoji="1" lang="en-US" altLang="ja-JP" sz="1000" dirty="0" smtClean="0"/>
-              <a:t>), %</a:t>
-            </a:r>
-            <a:r>
-              <a:rPr kumimoji="1" lang="en-US" altLang="ja-JP" sz="1000" dirty="0" err="1" smtClean="0"/>
-              <a:t>eax</a:t>
-            </a:r>
-            <a:endParaRPr kumimoji="1" lang="en-US" altLang="ja-JP" sz="1000" dirty="0" smtClean="0"/>
-          </a:p>
-          <a:p>
-            <a:r>
-              <a:rPr lang="en-US" altLang="ja-JP" sz="1000" dirty="0" smtClean="0"/>
-              <a:t>ret</a:t>
-            </a:r>
-            <a:endParaRPr kumimoji="1" lang="ja-JP" altLang="en-US" sz="1000" dirty="0"/>
-          </a:p>
-        </p:txBody>
-      </p:sp>
-      <p:sp>
-        <p:nvSpPr>
-          <p:cNvPr id="10" name="正方形/長方形 9"/>
-          <p:cNvSpPr/>
-          <p:nvPr/>
-        </p:nvSpPr>
-        <p:spPr>
-          <a:xfrm>
-            <a:off x="3433904" y="4116107"/>
-            <a:ext cx="1895515" cy="831987"/>
-          </a:xfrm>
-          <a:prstGeom prst="rect">
-            <a:avLst/>
-          </a:prstGeom>
-        </p:spPr>
-        <p:style>
-          <a:lnRef idx="2">
-            <a:schemeClr val="accent1">
-              <a:shade val="50000"/>
-            </a:schemeClr>
-          </a:lnRef>
-          <a:fillRef idx="1">
-            <a:schemeClr val="accent1"/>
-          </a:fillRef>
-          <a:effectRef idx="0">
-            <a:schemeClr val="accent1"/>
-          </a:effectRef>
-          <a:fontRef idx="minor">
-            <a:schemeClr val="lt1"/>
-          </a:fontRef>
-        </p:style>
-        <p:txBody>
-          <a:bodyPr rtlCol="0" anchor="t"/>
-          <a:lstStyle/>
-          <a:p>
-            <a:r>
-              <a:rPr lang="en-US" altLang="ja-JP" sz="1050" dirty="0" smtClean="0"/>
-              <a:t>data0:</a:t>
-            </a:r>
-            <a:br>
-              <a:rPr lang="en-US" altLang="ja-JP" sz="1050" dirty="0" smtClean="0"/>
-            </a:br>
-            <a:r>
-              <a:rPr lang="en-US" altLang="ja-JP" sz="1050" dirty="0" smtClean="0"/>
-              <a:t>    .long 8</a:t>
-            </a:r>
-            <a:endParaRPr kumimoji="1" lang="ja-JP" altLang="en-US" sz="1050" dirty="0"/>
-          </a:p>
-        </p:txBody>
-      </p:sp>
-      <p:sp>
-        <p:nvSpPr>
-          <p:cNvPr id="11" name="テキスト ボックス 10"/>
-          <p:cNvSpPr txBox="1"/>
-          <p:nvPr/>
-        </p:nvSpPr>
-        <p:spPr>
-          <a:xfrm>
-            <a:off x="2468302" y="2908027"/>
-            <a:ext cx="902811" cy="307777"/>
-          </a:xfrm>
-          <a:prstGeom prst="rect">
-            <a:avLst/>
-          </a:prstGeom>
-          <a:noFill/>
-        </p:spPr>
-        <p:txBody>
-          <a:bodyPr wrap="none" rtlCol="0">
-            <a:spAutoFit/>
-          </a:bodyPr>
-          <a:lstStyle/>
-          <a:p>
-            <a:r>
-              <a:rPr kumimoji="1" lang="en-US" altLang="ja-JP" sz="1400" dirty="0" smtClean="0"/>
-              <a:t>0x401000</a:t>
-            </a:r>
-            <a:endParaRPr kumimoji="1" lang="ja-JP" altLang="en-US" sz="1400" dirty="0"/>
-          </a:p>
-        </p:txBody>
-      </p:sp>
-      <p:sp>
-        <p:nvSpPr>
-          <p:cNvPr id="12" name="テキスト ボックス 11"/>
-          <p:cNvSpPr txBox="1"/>
-          <p:nvPr/>
-        </p:nvSpPr>
-        <p:spPr>
-          <a:xfrm>
-            <a:off x="2468302" y="4057241"/>
-            <a:ext cx="902811" cy="307777"/>
-          </a:xfrm>
-          <a:prstGeom prst="rect">
-            <a:avLst/>
-          </a:prstGeom>
-          <a:noFill/>
-        </p:spPr>
-        <p:txBody>
-          <a:bodyPr wrap="none" rtlCol="0">
-            <a:spAutoFit/>
-          </a:bodyPr>
-          <a:lstStyle/>
-          <a:p>
-            <a:r>
-              <a:rPr kumimoji="1" lang="en-US" altLang="ja-JP" sz="1400" dirty="0" smtClean="0"/>
-              <a:t>0x402000</a:t>
-            </a:r>
-            <a:endParaRPr kumimoji="1" lang="ja-JP" altLang="en-US" sz="1400" dirty="0"/>
-          </a:p>
-        </p:txBody>
-      </p:sp>
-      <p:sp>
-        <p:nvSpPr>
-          <p:cNvPr id="16" name="正方形/長方形 15"/>
-          <p:cNvSpPr/>
-          <p:nvPr/>
-        </p:nvSpPr>
-        <p:spPr>
-          <a:xfrm>
-            <a:off x="3433904" y="5163938"/>
-            <a:ext cx="1895515" cy="831987"/>
-          </a:xfrm>
-          <a:prstGeom prst="rect">
-            <a:avLst/>
-          </a:prstGeom>
-        </p:spPr>
-        <p:style>
-          <a:lnRef idx="2">
-            <a:schemeClr val="accent1">
-              <a:shade val="50000"/>
-            </a:schemeClr>
-          </a:lnRef>
-          <a:fillRef idx="1">
-            <a:schemeClr val="accent1"/>
-          </a:fillRef>
-          <a:effectRef idx="0">
-            <a:schemeClr val="accent1"/>
-          </a:effectRef>
-          <a:fontRef idx="minor">
-            <a:schemeClr val="lt1"/>
-          </a:fontRef>
-        </p:style>
-        <p:txBody>
-          <a:bodyPr rtlCol="0" anchor="t"/>
-          <a:lstStyle/>
-          <a:p>
-            <a:r>
-              <a:rPr lang="en-US" altLang="ja-JP" sz="1000" dirty="0" smtClean="0"/>
-              <a:t>GOT:</a:t>
-            </a:r>
-          </a:p>
-          <a:p>
-            <a:r>
-              <a:rPr lang="en-US" altLang="ja-JP" sz="1000" dirty="0"/>
-              <a:t> </a:t>
-            </a:r>
-            <a:r>
-              <a:rPr lang="en-US" altLang="ja-JP" sz="1000" dirty="0" smtClean="0"/>
-              <a:t>   .long 0x402000</a:t>
-            </a:r>
-            <a:endParaRPr lang="en-US" altLang="ja-JP" sz="1000" dirty="0" smtClean="0"/>
-          </a:p>
-        </p:txBody>
-      </p:sp>
-      <p:sp>
-        <p:nvSpPr>
-          <p:cNvPr id="17" name="テキスト ボックス 16"/>
-          <p:cNvSpPr txBox="1"/>
-          <p:nvPr/>
-        </p:nvSpPr>
-        <p:spPr>
-          <a:xfrm>
-            <a:off x="6083300" y="5210378"/>
-            <a:ext cx="3512500" cy="415498"/>
-          </a:xfrm>
-          <a:prstGeom prst="rect">
-            <a:avLst/>
-          </a:prstGeom>
-          <a:noFill/>
-        </p:spPr>
-        <p:txBody>
-          <a:bodyPr wrap="none" rtlCol="0">
-            <a:spAutoFit/>
-          </a:bodyPr>
-          <a:lstStyle/>
-          <a:p>
-            <a:r>
-              <a:rPr kumimoji="1" lang="ja-JP" altLang="en-US" sz="1050" dirty="0" smtClean="0"/>
-              <a:t>ダイナミックリンカ</a:t>
-            </a:r>
-            <a:r>
-              <a:rPr kumimoji="1" lang="en-US" altLang="ja-JP" sz="1050" dirty="0" smtClean="0"/>
-              <a:t>(ld.so)</a:t>
-            </a:r>
-            <a:r>
-              <a:rPr kumimoji="1" lang="ja-JP" altLang="en-US" sz="1050" dirty="0" smtClean="0"/>
-              <a:t>が、</a:t>
-            </a:r>
-            <a:r>
-              <a:rPr kumimoji="1" lang="en-US" altLang="ja-JP" sz="1050" dirty="0" smtClean="0"/>
-              <a:t>GOT</a:t>
-            </a:r>
-            <a:r>
-              <a:rPr kumimoji="1" lang="ja-JP" altLang="en-US" sz="1050" dirty="0" smtClean="0"/>
-              <a:t>の中身を適切に書き換える</a:t>
-            </a:r>
-            <a:endParaRPr kumimoji="1" lang="en-US" altLang="ja-JP" sz="1050" dirty="0" smtClean="0"/>
-          </a:p>
-          <a:p>
-            <a:r>
-              <a:rPr lang="en-US" altLang="ja-JP" sz="1050" dirty="0" smtClean="0"/>
-              <a:t>(GOT[0] </a:t>
-            </a:r>
-            <a:r>
-              <a:rPr lang="ja-JP" altLang="en-US" sz="1050" dirty="0"/>
-              <a:t>を</a:t>
-            </a:r>
-            <a:r>
-              <a:rPr lang="ja-JP" altLang="en-US" sz="1050" dirty="0" smtClean="0"/>
-              <a:t>メモリ配置後の</a:t>
-            </a:r>
-            <a:r>
-              <a:rPr lang="en-US" altLang="ja-JP" sz="1050" dirty="0" smtClean="0"/>
-              <a:t>data0</a:t>
-            </a:r>
-            <a:r>
-              <a:rPr lang="ja-JP" altLang="en-US" sz="1050" dirty="0" smtClean="0"/>
-              <a:t>のアドレスにする</a:t>
-            </a:r>
-            <a:r>
-              <a:rPr lang="en-US" altLang="ja-JP" sz="1050" dirty="0" smtClean="0"/>
-              <a:t>)</a:t>
-            </a:r>
-            <a:endParaRPr kumimoji="1" lang="ja-JP" altLang="en-US" sz="1050" dirty="0"/>
-          </a:p>
-        </p:txBody>
-      </p:sp>
-      <p:sp>
-        <p:nvSpPr>
-          <p:cNvPr id="18" name="上下矢印 17"/>
-          <p:cNvSpPr/>
-          <p:nvPr/>
-        </p:nvSpPr>
-        <p:spPr>
-          <a:xfrm>
-            <a:off x="5455003" y="3295614"/>
-            <a:ext cx="443465" cy="1914764"/>
-          </a:xfrm>
-          <a:prstGeom prst="upDownArrow">
-            <a:avLst/>
-          </a:prstGeom>
-        </p:spPr>
-        <p:style>
-          <a:lnRef idx="1">
-            <a:schemeClr val="accent2"/>
-          </a:lnRef>
-          <a:fillRef idx="2">
-            <a:schemeClr val="accent2"/>
-          </a:fillRef>
-          <a:effectRef idx="1">
-            <a:schemeClr val="accent2"/>
-          </a:effectRef>
-          <a:fontRef idx="minor">
-            <a:schemeClr val="dk1"/>
-          </a:fontRef>
-        </p:style>
-        <p:txBody>
-          <a:bodyPr rtlCol="0" anchor="ctr"/>
-          <a:lstStyle/>
-          <a:p>
-            <a:pPr algn="ctr"/>
-            <a:endParaRPr kumimoji="1" lang="ja-JP" altLang="en-US"/>
-          </a:p>
-        </p:txBody>
-      </p:sp>
-      <p:sp>
-        <p:nvSpPr>
-          <p:cNvPr id="19" name="テキスト ボックス 18"/>
-          <p:cNvSpPr txBox="1"/>
-          <p:nvPr/>
-        </p:nvSpPr>
-        <p:spPr>
-          <a:xfrm>
-            <a:off x="5867073" y="3295917"/>
-            <a:ext cx="2684260" cy="415498"/>
-          </a:xfrm>
-          <a:prstGeom prst="rect">
-            <a:avLst/>
-          </a:prstGeom>
-          <a:noFill/>
-        </p:spPr>
-        <p:txBody>
-          <a:bodyPr wrap="square" rtlCol="0">
-            <a:spAutoFit/>
-          </a:bodyPr>
-          <a:lstStyle/>
-          <a:p>
-            <a:r>
-              <a:rPr kumimoji="1" lang="en-US" altLang="ja-JP" sz="1050" dirty="0" smtClean="0"/>
-              <a:t>GOT</a:t>
-            </a:r>
-            <a:r>
-              <a:rPr kumimoji="1" lang="ja-JP" altLang="en-US" sz="1050" dirty="0" smtClean="0"/>
-              <a:t>との差分は、実行前に固定できる</a:t>
-            </a:r>
-            <a:endParaRPr kumimoji="1" lang="en-US" altLang="ja-JP" sz="1050" dirty="0" smtClean="0"/>
-          </a:p>
-          <a:p>
-            <a:r>
-              <a:rPr lang="ja-JP" altLang="en-US" sz="1050" dirty="0" smtClean="0"/>
-              <a:t>（機械語を書き換える必要はない）</a:t>
-            </a:r>
-            <a:endParaRPr kumimoji="1" lang="ja-JP" altLang="en-US" sz="1050" dirty="0"/>
-          </a:p>
-        </p:txBody>
-      </p:sp>
+              </a:endParaRPr>
+            </a:p>
+          </p:txBody>
+        </p:sp>
+        <p:sp>
+          <p:nvSpPr>
+            <p:cNvPr id="9" name="正方形/長方形 8"/>
+            <p:cNvSpPr/>
+            <p:nvPr/>
+          </p:nvSpPr>
+          <p:spPr>
+            <a:xfrm>
+              <a:off x="3433905" y="3021836"/>
+              <a:ext cx="1895515" cy="831987"/>
+            </a:xfrm>
+            <a:prstGeom prst="rect">
+              <a:avLst/>
+            </a:prstGeom>
+          </p:spPr>
+          <p:style>
+            <a:lnRef idx="2">
+              <a:schemeClr val="accent1">
+                <a:shade val="50000"/>
+              </a:schemeClr>
+            </a:lnRef>
+            <a:fillRef idx="1">
+              <a:schemeClr val="accent1"/>
+            </a:fillRef>
+            <a:effectRef idx="0">
+              <a:schemeClr val="accent1"/>
+            </a:effectRef>
+            <a:fontRef idx="minor">
+              <a:schemeClr val="lt1"/>
+            </a:fontRef>
+          </p:style>
+          <p:txBody>
+            <a:bodyPr rtlCol="0" anchor="t"/>
+            <a:lstStyle/>
+            <a:p>
+              <a:r>
+                <a:rPr kumimoji="1" lang="en-US" altLang="ja-JP" sz="1000" dirty="0" smtClean="0"/>
+                <a:t>call </a:t>
+              </a:r>
+              <a:r>
+                <a:rPr kumimoji="1" lang="en-US" altLang="ja-JP" sz="1000" dirty="0" err="1" smtClean="0"/>
+                <a:t>get_pc_thunk</a:t>
+              </a:r>
+              <a:endParaRPr kumimoji="1" lang="en-US" altLang="ja-JP" sz="1000" dirty="0" smtClean="0"/>
+            </a:p>
+            <a:p>
+              <a:r>
+                <a:rPr lang="en-US" altLang="ja-JP" sz="1000" dirty="0" smtClean="0"/>
+                <a:t>add &lt;GOT</a:t>
+              </a:r>
+              <a:r>
+                <a:rPr lang="ja-JP" altLang="en-US" sz="1000" dirty="0" smtClean="0"/>
+                <a:t>との差</a:t>
+              </a:r>
+              <a:r>
+                <a:rPr lang="en-US" altLang="ja-JP" sz="1000" dirty="0" smtClean="0"/>
+                <a:t>&gt;,</a:t>
+              </a:r>
+              <a:r>
+                <a:rPr lang="en-US" altLang="ja-JP" sz="1000" dirty="0" smtClean="0"/>
+                <a:t> %</a:t>
+              </a:r>
+              <a:r>
+                <a:rPr lang="en-US" altLang="ja-JP" sz="1000" dirty="0" err="1" smtClean="0"/>
+                <a:t>eax</a:t>
+              </a:r>
+              <a:endParaRPr lang="en-US" altLang="ja-JP" sz="1000" dirty="0" smtClean="0"/>
+            </a:p>
+            <a:p>
+              <a:r>
+                <a:rPr kumimoji="1" lang="en-US" altLang="ja-JP" sz="1000" dirty="0" err="1" smtClean="0"/>
+                <a:t>mov</a:t>
+              </a:r>
+              <a:r>
+                <a:rPr kumimoji="1" lang="en-US" altLang="ja-JP" sz="1000" dirty="0" smtClean="0"/>
+                <a:t> &lt;GOT</a:t>
+              </a:r>
+              <a:r>
+                <a:rPr kumimoji="1" lang="ja-JP" altLang="en-US" sz="1000" dirty="0" smtClean="0"/>
+                <a:t>の</a:t>
+              </a:r>
+              <a:r>
+                <a:rPr kumimoji="1" lang="en-US" altLang="ja-JP" sz="1000" dirty="0" smtClean="0"/>
+                <a:t>index&gt;(%</a:t>
+              </a:r>
+              <a:r>
+                <a:rPr kumimoji="1" lang="en-US" altLang="ja-JP" sz="1000" dirty="0" err="1" smtClean="0"/>
+                <a:t>eax</a:t>
+              </a:r>
+              <a:r>
+                <a:rPr kumimoji="1" lang="en-US" altLang="ja-JP" sz="1000" dirty="0" smtClean="0"/>
+                <a:t>), %</a:t>
+              </a:r>
+              <a:r>
+                <a:rPr kumimoji="1" lang="en-US" altLang="ja-JP" sz="1000" dirty="0" err="1" smtClean="0"/>
+                <a:t>eax</a:t>
+              </a:r>
+              <a:endParaRPr kumimoji="1" lang="en-US" altLang="ja-JP" sz="1000" dirty="0" smtClean="0"/>
+            </a:p>
+            <a:p>
+              <a:r>
+                <a:rPr lang="en-US" altLang="ja-JP" sz="1000" dirty="0" smtClean="0"/>
+                <a:t>ret</a:t>
+              </a:r>
+              <a:endParaRPr kumimoji="1" lang="ja-JP" altLang="en-US" sz="1000" dirty="0"/>
+            </a:p>
+          </p:txBody>
+        </p:sp>
+        <p:sp>
+          <p:nvSpPr>
+            <p:cNvPr id="10" name="正方形/長方形 9"/>
+            <p:cNvSpPr/>
+            <p:nvPr/>
+          </p:nvSpPr>
+          <p:spPr>
+            <a:xfrm>
+              <a:off x="3433904" y="4116107"/>
+              <a:ext cx="1895515" cy="831987"/>
+            </a:xfrm>
+            <a:prstGeom prst="rect">
+              <a:avLst/>
+            </a:prstGeom>
+          </p:spPr>
+          <p:style>
+            <a:lnRef idx="2">
+              <a:schemeClr val="accent1">
+                <a:shade val="50000"/>
+              </a:schemeClr>
+            </a:lnRef>
+            <a:fillRef idx="1">
+              <a:schemeClr val="accent1"/>
+            </a:fillRef>
+            <a:effectRef idx="0">
+              <a:schemeClr val="accent1"/>
+            </a:effectRef>
+            <a:fontRef idx="minor">
+              <a:schemeClr val="lt1"/>
+            </a:fontRef>
+          </p:style>
+          <p:txBody>
+            <a:bodyPr rtlCol="0" anchor="t"/>
+            <a:lstStyle/>
+            <a:p>
+              <a:r>
+                <a:rPr lang="en-US" altLang="ja-JP" sz="1050" dirty="0" smtClean="0"/>
+                <a:t>data0:</a:t>
+              </a:r>
+              <a:br>
+                <a:rPr lang="en-US" altLang="ja-JP" sz="1050" dirty="0" smtClean="0"/>
+              </a:br>
+              <a:r>
+                <a:rPr lang="en-US" altLang="ja-JP" sz="1050" dirty="0" smtClean="0"/>
+                <a:t>    .long 8</a:t>
+              </a:r>
+              <a:endParaRPr kumimoji="1" lang="ja-JP" altLang="en-US" sz="1050" dirty="0"/>
+            </a:p>
+          </p:txBody>
+        </p:sp>
+        <p:sp>
+          <p:nvSpPr>
+            <p:cNvPr id="11" name="テキスト ボックス 10"/>
+            <p:cNvSpPr txBox="1"/>
+            <p:nvPr/>
+          </p:nvSpPr>
+          <p:spPr>
+            <a:xfrm>
+              <a:off x="2468302" y="2908027"/>
+              <a:ext cx="902811" cy="307777"/>
+            </a:xfrm>
+            <a:prstGeom prst="rect">
+              <a:avLst/>
+            </a:prstGeom>
+            <a:noFill/>
+          </p:spPr>
+          <p:txBody>
+            <a:bodyPr wrap="none" rtlCol="0">
+              <a:spAutoFit/>
+            </a:bodyPr>
+            <a:lstStyle/>
+            <a:p>
+              <a:r>
+                <a:rPr kumimoji="1" lang="en-US" altLang="ja-JP" sz="1400" dirty="0" smtClean="0"/>
+                <a:t>0x401000</a:t>
+              </a:r>
+              <a:endParaRPr kumimoji="1" lang="ja-JP" altLang="en-US" sz="1400" dirty="0"/>
+            </a:p>
+          </p:txBody>
+        </p:sp>
+        <p:sp>
+          <p:nvSpPr>
+            <p:cNvPr id="12" name="テキスト ボックス 11"/>
+            <p:cNvSpPr txBox="1"/>
+            <p:nvPr/>
+          </p:nvSpPr>
+          <p:spPr>
+            <a:xfrm>
+              <a:off x="2468302" y="4057241"/>
+              <a:ext cx="902811" cy="307777"/>
+            </a:xfrm>
+            <a:prstGeom prst="rect">
+              <a:avLst/>
+            </a:prstGeom>
+            <a:noFill/>
+          </p:spPr>
+          <p:txBody>
+            <a:bodyPr wrap="none" rtlCol="0">
+              <a:spAutoFit/>
+            </a:bodyPr>
+            <a:lstStyle/>
+            <a:p>
+              <a:r>
+                <a:rPr kumimoji="1" lang="en-US" altLang="ja-JP" sz="1400" dirty="0" smtClean="0"/>
+                <a:t>0x402000</a:t>
+              </a:r>
+              <a:endParaRPr kumimoji="1" lang="ja-JP" altLang="en-US" sz="1400" dirty="0"/>
+            </a:p>
+          </p:txBody>
+        </p:sp>
+        <p:sp>
+          <p:nvSpPr>
+            <p:cNvPr id="16" name="正方形/長方形 15"/>
+            <p:cNvSpPr/>
+            <p:nvPr/>
+          </p:nvSpPr>
+          <p:spPr>
+            <a:xfrm>
+              <a:off x="3433904" y="5163938"/>
+              <a:ext cx="1895515" cy="831987"/>
+            </a:xfrm>
+            <a:prstGeom prst="rect">
+              <a:avLst/>
+            </a:prstGeom>
+          </p:spPr>
+          <p:style>
+            <a:lnRef idx="2">
+              <a:schemeClr val="accent1">
+                <a:shade val="50000"/>
+              </a:schemeClr>
+            </a:lnRef>
+            <a:fillRef idx="1">
+              <a:schemeClr val="accent1"/>
+            </a:fillRef>
+            <a:effectRef idx="0">
+              <a:schemeClr val="accent1"/>
+            </a:effectRef>
+            <a:fontRef idx="minor">
+              <a:schemeClr val="lt1"/>
+            </a:fontRef>
+          </p:style>
+          <p:txBody>
+            <a:bodyPr rtlCol="0" anchor="t"/>
+            <a:lstStyle/>
+            <a:p>
+              <a:r>
+                <a:rPr lang="en-US" altLang="ja-JP" sz="1000" dirty="0" smtClean="0"/>
+                <a:t>GOT:</a:t>
+              </a:r>
+            </a:p>
+            <a:p>
+              <a:r>
+                <a:rPr lang="en-US" altLang="ja-JP" sz="1000" dirty="0"/>
+                <a:t> </a:t>
+              </a:r>
+              <a:r>
+                <a:rPr lang="en-US" altLang="ja-JP" sz="1000" dirty="0" smtClean="0"/>
+                <a:t>   .long 0x402000</a:t>
+              </a:r>
+              <a:endParaRPr lang="en-US" altLang="ja-JP" sz="1000" dirty="0" smtClean="0"/>
+            </a:p>
+          </p:txBody>
+        </p:sp>
+        <p:sp>
+          <p:nvSpPr>
+            <p:cNvPr id="17" name="テキスト ボックス 16"/>
+            <p:cNvSpPr txBox="1"/>
+            <p:nvPr/>
+          </p:nvSpPr>
+          <p:spPr>
+            <a:xfrm>
+              <a:off x="6083300" y="5210378"/>
+              <a:ext cx="3512500" cy="415498"/>
+            </a:xfrm>
+            <a:prstGeom prst="rect">
+              <a:avLst/>
+            </a:prstGeom>
+            <a:noFill/>
+          </p:spPr>
+          <p:txBody>
+            <a:bodyPr wrap="none" rtlCol="0">
+              <a:spAutoFit/>
+            </a:bodyPr>
+            <a:lstStyle/>
+            <a:p>
+              <a:r>
+                <a:rPr kumimoji="1" lang="ja-JP" altLang="en-US" sz="1050" dirty="0" smtClean="0"/>
+                <a:t>ダイナミックリンカ</a:t>
+              </a:r>
+              <a:r>
+                <a:rPr kumimoji="1" lang="en-US" altLang="ja-JP" sz="1050" dirty="0" smtClean="0"/>
+                <a:t>(ld.so)</a:t>
+              </a:r>
+              <a:r>
+                <a:rPr kumimoji="1" lang="ja-JP" altLang="en-US" sz="1050" dirty="0" smtClean="0"/>
+                <a:t>が、</a:t>
+              </a:r>
+              <a:r>
+                <a:rPr kumimoji="1" lang="en-US" altLang="ja-JP" sz="1050" dirty="0" smtClean="0"/>
+                <a:t>GOT</a:t>
+              </a:r>
+              <a:r>
+                <a:rPr kumimoji="1" lang="ja-JP" altLang="en-US" sz="1050" dirty="0" smtClean="0"/>
+                <a:t>の中身を適切に書き換える</a:t>
+              </a:r>
+              <a:endParaRPr kumimoji="1" lang="en-US" altLang="ja-JP" sz="1050" dirty="0" smtClean="0"/>
+            </a:p>
+            <a:p>
+              <a:r>
+                <a:rPr lang="en-US" altLang="ja-JP" sz="1050" dirty="0" smtClean="0"/>
+                <a:t>(GOT[0] </a:t>
+              </a:r>
+              <a:r>
+                <a:rPr lang="ja-JP" altLang="en-US" sz="1050" dirty="0"/>
+                <a:t>を</a:t>
+              </a:r>
+              <a:r>
+                <a:rPr lang="ja-JP" altLang="en-US" sz="1050" dirty="0" smtClean="0"/>
+                <a:t>メモリ配置後の</a:t>
+              </a:r>
+              <a:r>
+                <a:rPr lang="en-US" altLang="ja-JP" sz="1050" dirty="0" smtClean="0"/>
+                <a:t>data0</a:t>
+              </a:r>
+              <a:r>
+                <a:rPr lang="ja-JP" altLang="en-US" sz="1050" dirty="0" smtClean="0"/>
+                <a:t>のアドレスにする</a:t>
+              </a:r>
+              <a:r>
+                <a:rPr lang="en-US" altLang="ja-JP" sz="1050" dirty="0" smtClean="0"/>
+                <a:t>)</a:t>
+              </a:r>
+              <a:endParaRPr kumimoji="1" lang="ja-JP" altLang="en-US" sz="1050" dirty="0"/>
+            </a:p>
+          </p:txBody>
+        </p:sp>
+        <p:sp>
+          <p:nvSpPr>
+            <p:cNvPr id="18" name="上下矢印 17"/>
+            <p:cNvSpPr/>
+            <p:nvPr/>
+          </p:nvSpPr>
+          <p:spPr>
+            <a:xfrm>
+              <a:off x="5455003" y="3295614"/>
+              <a:ext cx="443465" cy="1914764"/>
+            </a:xfrm>
+            <a:prstGeom prst="upDownArrow">
+              <a:avLst/>
+            </a:prstGeom>
+          </p:spPr>
+          <p:style>
+            <a:lnRef idx="1">
+              <a:schemeClr val="accent2"/>
+            </a:lnRef>
+            <a:fillRef idx="2">
+              <a:schemeClr val="accent2"/>
+            </a:fillRef>
+            <a:effectRef idx="1">
+              <a:schemeClr val="accent2"/>
+            </a:effectRef>
+            <a:fontRef idx="minor">
+              <a:schemeClr val="dk1"/>
+            </a:fontRef>
+          </p:style>
+          <p:txBody>
+            <a:bodyPr rtlCol="0" anchor="ctr"/>
+            <a:lstStyle/>
+            <a:p>
+              <a:pPr algn="ctr"/>
+              <a:endParaRPr kumimoji="1" lang="ja-JP" altLang="en-US"/>
+            </a:p>
+          </p:txBody>
+        </p:sp>
+        <p:sp>
+          <p:nvSpPr>
+            <p:cNvPr id="19" name="テキスト ボックス 18"/>
+            <p:cNvSpPr txBox="1"/>
+            <p:nvPr/>
+          </p:nvSpPr>
+          <p:spPr>
+            <a:xfrm>
+              <a:off x="5867073" y="3295917"/>
+              <a:ext cx="2684260" cy="415498"/>
+            </a:xfrm>
+            <a:prstGeom prst="rect">
+              <a:avLst/>
+            </a:prstGeom>
+            <a:noFill/>
+          </p:spPr>
+          <p:txBody>
+            <a:bodyPr wrap="square" rtlCol="0">
+              <a:spAutoFit/>
+            </a:bodyPr>
+            <a:lstStyle/>
+            <a:p>
+              <a:r>
+                <a:rPr kumimoji="1" lang="en-US" altLang="ja-JP" sz="1050" dirty="0" smtClean="0"/>
+                <a:t>GOT</a:t>
+              </a:r>
+              <a:r>
+                <a:rPr kumimoji="1" lang="ja-JP" altLang="en-US" sz="1050" dirty="0" smtClean="0"/>
+                <a:t>との差分は、実行前に固定できる</a:t>
+              </a:r>
+              <a:endParaRPr kumimoji="1" lang="en-US" altLang="ja-JP" sz="1050" dirty="0" smtClean="0"/>
+            </a:p>
+            <a:p>
+              <a:r>
+                <a:rPr lang="ja-JP" altLang="en-US" sz="1050" dirty="0" smtClean="0"/>
+                <a:t>（機械語を書き換える必要はない）</a:t>
+              </a:r>
+              <a:endParaRPr kumimoji="1" lang="ja-JP" altLang="en-US" sz="1050" dirty="0"/>
+            </a:p>
+          </p:txBody>
+        </p:sp>
+      </p:grpSp>
     </p:spTree>
     <p:extLst>
       <p:ext uri="{BB962C8B-B14F-4D97-AF65-F5344CB8AC3E}">
